--- a/Browser/Framework/浏览器架构.pptx
+++ b/Browser/Framework/浏览器架构.pptx
@@ -5,28 +5,30 @@
     <p:sldMasterId id="2147483648" r:id="rId1"/>
   </p:sldMasterIdLst>
   <p:notesMasterIdLst>
-    <p:notesMasterId r:id="rId17"/>
+    <p:notesMasterId r:id="rId18"/>
   </p:notesMasterIdLst>
   <p:sldIdLst>
     <p:sldId id="256" r:id="rId3"/>
     <p:sldId id="258" r:id="rId4"/>
-    <p:sldId id="257" r:id="rId5"/>
-    <p:sldId id="259" r:id="rId6"/>
-    <p:sldId id="260" r:id="rId7"/>
-    <p:sldId id="261" r:id="rId8"/>
-    <p:sldId id="262" r:id="rId9"/>
-    <p:sldId id="265" r:id="rId10"/>
-    <p:sldId id="266" r:id="rId11"/>
-    <p:sldId id="267" r:id="rId12"/>
-    <p:sldId id="268" r:id="rId13"/>
-    <p:sldId id="269" r:id="rId14"/>
-    <p:sldId id="270" r:id="rId15"/>
-    <p:sldId id="264" r:id="rId16"/>
-    <p:sldId id="271" r:id="rId18"/>
-    <p:sldId id="274" r:id="rId19"/>
-    <p:sldId id="275" r:id="rId20"/>
-    <p:sldId id="276" r:id="rId21"/>
-    <p:sldId id="263" r:id="rId22"/>
+    <p:sldId id="278" r:id="rId5"/>
+    <p:sldId id="257" r:id="rId6"/>
+    <p:sldId id="259" r:id="rId7"/>
+    <p:sldId id="260" r:id="rId8"/>
+    <p:sldId id="261" r:id="rId9"/>
+    <p:sldId id="262" r:id="rId10"/>
+    <p:sldId id="265" r:id="rId11"/>
+    <p:sldId id="266" r:id="rId12"/>
+    <p:sldId id="267" r:id="rId13"/>
+    <p:sldId id="268" r:id="rId14"/>
+    <p:sldId id="269" r:id="rId15"/>
+    <p:sldId id="270" r:id="rId16"/>
+    <p:sldId id="264" r:id="rId17"/>
+    <p:sldId id="271" r:id="rId19"/>
+    <p:sldId id="274" r:id="rId20"/>
+    <p:sldId id="275" r:id="rId21"/>
+    <p:sldId id="276" r:id="rId22"/>
+    <p:sldId id="263" r:id="rId23"/>
+    <p:sldId id="279" r:id="rId24"/>
   </p:sldIdLst>
   <p:sldSz cx="12192000" cy="6858000"/>
   <p:notesSz cx="7103745" cy="10234295"/>
@@ -3180,6 +3182,151 @@
           <a:p>
             <a:r>
               <a:rPr lang="zh-CN" altLang="en-US"/>
+              <a:t>浏览器架构演变过程</a:t>
+            </a:r>
+            <a:endParaRPr lang="zh-CN" altLang="en-US"/>
+          </a:p>
+        </p:txBody>
+      </p:sp>
+      <p:sp>
+        <p:nvSpPr>
+          <p:cNvPr id="3" name="Content Placeholder 2"/>
+          <p:cNvSpPr>
+            <a:spLocks noGrp="1"/>
+          </p:cNvSpPr>
+          <p:nvPr>
+            <p:ph idx="1"/>
+          </p:nvPr>
+        </p:nvSpPr>
+        <p:spPr/>
+        <p:txBody>
+          <a:bodyPr/>
+          <a:p>
+            <a:r>
+              <a:rPr lang="zh-CN" altLang="en-US">
+                <a:sym typeface="+mn-ea"/>
+              </a:rPr>
+              <a:t>单进程时代（非</a:t>
+            </a:r>
+            <a:r>
+              <a:rPr lang="en-US" altLang="zh-CN">
+                <a:sym typeface="+mn-ea"/>
+              </a:rPr>
+              <a:t>Chrome</a:t>
+            </a:r>
+            <a:r>
+              <a:rPr lang="zh-CN" altLang="en-US">
+                <a:sym typeface="+mn-ea"/>
+              </a:rPr>
+              <a:t>浏览器）</a:t>
+            </a:r>
+            <a:endParaRPr lang="zh-CN" altLang="en-US">
+              <a:sym typeface="+mn-ea"/>
+            </a:endParaRPr>
+          </a:p>
+          <a:p>
+            <a:r>
+              <a:rPr lang="zh-CN" altLang="en-US">
+                <a:sym typeface="+mn-ea"/>
+              </a:rPr>
+              <a:t>多进程时代（</a:t>
+            </a:r>
+            <a:r>
+              <a:rPr lang="en-US" altLang="zh-CN">
+                <a:sym typeface="+mn-ea"/>
+              </a:rPr>
+              <a:t>Chrome</a:t>
+            </a:r>
+            <a:r>
+              <a:rPr lang="zh-CN" altLang="en-US">
+                <a:sym typeface="+mn-ea"/>
+              </a:rPr>
+              <a:t>早期）</a:t>
+            </a:r>
+            <a:endParaRPr lang="zh-CN" altLang="en-US">
+              <a:sym typeface="+mn-ea"/>
+            </a:endParaRPr>
+          </a:p>
+          <a:p>
+            <a:r>
+              <a:rPr lang="zh-CN" altLang="en-US">
+                <a:sym typeface="+mn-ea"/>
+              </a:rPr>
+              <a:t>多进程时代（</a:t>
+            </a:r>
+            <a:r>
+              <a:rPr lang="en-US" altLang="zh-CN">
+                <a:sym typeface="+mn-ea"/>
+              </a:rPr>
+              <a:t>Chrome</a:t>
+            </a:r>
+            <a:r>
+              <a:rPr lang="zh-CN" altLang="en-US">
+                <a:sym typeface="+mn-ea"/>
+              </a:rPr>
+              <a:t>现在）</a:t>
+            </a:r>
+            <a:endParaRPr lang="zh-CN" altLang="en-US">
+              <a:sym typeface="+mn-ea"/>
+            </a:endParaRPr>
+          </a:p>
+          <a:p>
+            <a:r>
+              <a:rPr lang="zh-CN" altLang="en-US">
+                <a:sym typeface="+mn-ea"/>
+              </a:rPr>
+              <a:t>面向服务时代（</a:t>
+            </a:r>
+            <a:r>
+              <a:rPr lang="en-US" altLang="zh-CN">
+                <a:sym typeface="+mn-ea"/>
+              </a:rPr>
+              <a:t>Chrome</a:t>
+            </a:r>
+            <a:r>
+              <a:rPr lang="zh-CN" altLang="en-US">
+                <a:sym typeface="+mn-ea"/>
+              </a:rPr>
+              <a:t>未来）</a:t>
+            </a:r>
+            <a:endParaRPr lang="en-US"/>
+          </a:p>
+        </p:txBody>
+      </p:sp>
+    </p:spTree>
+  </p:cSld>
+  <p:clrMapOvr>
+    <a:masterClrMapping/>
+  </p:clrMapOvr>
+</p:sld>
+</file>
+
+<file path=ppt/slides/slide11.xml><?xml version="1.0" encoding="utf-8"?>
+<p:sld xmlns:a="http://schemas.openxmlformats.org/drawingml/2006/main" xmlns:r="http://schemas.openxmlformats.org/officeDocument/2006/relationships" xmlns:p="http://schemas.openxmlformats.org/presentationml/2006/main">
+  <p:cSld>
+    <p:spTree>
+      <p:nvGrpSpPr>
+        <p:cNvPr id="1" name=""/>
+        <p:cNvGrpSpPr/>
+        <p:nvPr/>
+      </p:nvGrpSpPr>
+      <p:grpSpPr/>
+      <p:sp>
+        <p:nvSpPr>
+          <p:cNvPr id="2" name="Title 1"/>
+          <p:cNvSpPr>
+            <a:spLocks noGrp="1"/>
+          </p:cNvSpPr>
+          <p:nvPr>
+            <p:ph type="title"/>
+          </p:nvPr>
+        </p:nvSpPr>
+        <p:spPr/>
+        <p:txBody>
+          <a:bodyPr/>
+          <a:p>
+            <a:r>
+              <a:rPr lang="zh-CN" altLang="en-US"/>
               <a:t>单进程时代（非</a:t>
             </a:r>
             <a:r>
@@ -3294,7 +3441,7 @@
 </p:sld>
 </file>
 
-<file path=ppt/slides/slide11.xml><?xml version="1.0" encoding="utf-8"?>
+<file path=ppt/slides/slide12.xml><?xml version="1.0" encoding="utf-8"?>
 <p:sld xmlns:a="http://schemas.openxmlformats.org/drawingml/2006/main" xmlns:r="http://schemas.openxmlformats.org/officeDocument/2006/relationships" xmlns:p="http://schemas.openxmlformats.org/presentationml/2006/main">
   <p:cSld>
     <p:spTree>
@@ -3368,7 +3515,7 @@
 </p:sld>
 </file>
 
-<file path=ppt/slides/slide12.xml><?xml version="1.0" encoding="utf-8"?>
+<file path=ppt/slides/slide13.xml><?xml version="1.0" encoding="utf-8"?>
 <p:sld xmlns:a="http://schemas.openxmlformats.org/drawingml/2006/main" xmlns:r="http://schemas.openxmlformats.org/officeDocument/2006/relationships" xmlns:p="http://schemas.openxmlformats.org/presentationml/2006/main">
   <p:cSld>
     <p:spTree>
@@ -3442,7 +3589,7 @@
 </p:sld>
 </file>
 
-<file path=ppt/slides/slide13.xml><?xml version="1.0" encoding="utf-8"?>
+<file path=ppt/slides/slide14.xml><?xml version="1.0" encoding="utf-8"?>
 <p:sld xmlns:a="http://schemas.openxmlformats.org/drawingml/2006/main" xmlns:r="http://schemas.openxmlformats.org/officeDocument/2006/relationships" xmlns:p="http://schemas.openxmlformats.org/presentationml/2006/main">
   <p:cSld>
     <p:spTree>
@@ -3528,7 +3675,7 @@
 </p:sld>
 </file>
 
-<file path=ppt/slides/slide14.xml><?xml version="1.0" encoding="utf-8"?>
+<file path=ppt/slides/slide15.xml><?xml version="1.0" encoding="utf-8"?>
 <p:sld xmlns:a="http://schemas.openxmlformats.org/drawingml/2006/main" xmlns:r="http://schemas.openxmlformats.org/officeDocument/2006/relationships" xmlns:p="http://schemas.openxmlformats.org/presentationml/2006/main">
   <p:cSld>
     <p:spTree>
@@ -3620,7 +3767,7 @@
 </p:sld>
 </file>
 
-<file path=ppt/slides/slide15.xml><?xml version="1.0" encoding="utf-8"?>
+<file path=ppt/slides/slide16.xml><?xml version="1.0" encoding="utf-8"?>
 <p:sld xmlns:a="http://schemas.openxmlformats.org/drawingml/2006/main" xmlns:r="http://schemas.openxmlformats.org/officeDocument/2006/relationships" xmlns:p="http://schemas.openxmlformats.org/presentationml/2006/main">
   <p:cSld>
     <p:spTree>
@@ -3712,7 +3859,7 @@
 </p:sld>
 </file>
 
-<file path=ppt/slides/slide16.xml><?xml version="1.0" encoding="utf-8"?>
+<file path=ppt/slides/slide17.xml><?xml version="1.0" encoding="utf-8"?>
 <p:sld xmlns:a="http://schemas.openxmlformats.org/drawingml/2006/main" xmlns:r="http://schemas.openxmlformats.org/officeDocument/2006/relationships" xmlns:p="http://schemas.openxmlformats.org/presentationml/2006/main">
   <p:cSld>
     <p:spTree>
@@ -3854,7 +4001,7 @@
 </p:sld>
 </file>
 
-<file path=ppt/slides/slide17.xml><?xml version="1.0" encoding="utf-8"?>
+<file path=ppt/slides/slide18.xml><?xml version="1.0" encoding="utf-8"?>
 <p:sld xmlns:a="http://schemas.openxmlformats.org/drawingml/2006/main" xmlns:r="http://schemas.openxmlformats.org/officeDocument/2006/relationships" xmlns:p="http://schemas.openxmlformats.org/presentationml/2006/main">
   <p:cSld>
     <p:spTree>
@@ -3928,7 +4075,7 @@
 </p:sld>
 </file>
 
-<file path=ppt/slides/slide18.xml><?xml version="1.0" encoding="utf-8"?>
+<file path=ppt/slides/slide19.xml><?xml version="1.0" encoding="utf-8"?>
 <p:sld xmlns:a="http://schemas.openxmlformats.org/drawingml/2006/main" xmlns:r="http://schemas.openxmlformats.org/officeDocument/2006/relationships" xmlns:p="http://schemas.openxmlformats.org/presentationml/2006/main">
   <p:cSld>
     <p:spTree>
@@ -4002,312 +4149,6 @@
 </p:sld>
 </file>
 
-<file path=ppt/slides/slide19.xml><?xml version="1.0" encoding="utf-8"?>
-<p:sld xmlns:a="http://schemas.openxmlformats.org/drawingml/2006/main" xmlns:r="http://schemas.openxmlformats.org/officeDocument/2006/relationships" xmlns:p="http://schemas.openxmlformats.org/presentationml/2006/main">
-  <p:cSld>
-    <p:spTree>
-      <p:nvGrpSpPr>
-        <p:cNvPr id="1" name=""/>
-        <p:cNvGrpSpPr/>
-        <p:nvPr/>
-      </p:nvGrpSpPr>
-      <p:grpSpPr/>
-      <p:sp>
-        <p:nvSpPr>
-          <p:cNvPr id="2" name="Title 1"/>
-          <p:cNvSpPr>
-            <a:spLocks noGrp="1"/>
-          </p:cNvSpPr>
-          <p:nvPr>
-            <p:ph type="title"/>
-          </p:nvPr>
-        </p:nvSpPr>
-        <p:spPr/>
-        <p:txBody>
-          <a:bodyPr/>
-          <a:p>
-            <a:r>
-              <a:rPr lang="zh-CN" altLang="en-US"/>
-              <a:t>下期预告</a:t>
-            </a:r>
-            <a:endParaRPr lang="zh-CN" altLang="en-US"/>
-          </a:p>
-        </p:txBody>
-      </p:sp>
-      <p:sp>
-        <p:nvSpPr>
-          <p:cNvPr id="3" name="Content Placeholder 2"/>
-          <p:cNvSpPr>
-            <a:spLocks noGrp="1"/>
-          </p:cNvSpPr>
-          <p:nvPr>
-            <p:ph idx="1"/>
-          </p:nvPr>
-        </p:nvSpPr>
-        <p:spPr/>
-        <p:txBody>
-          <a:bodyPr>
-            <a:normAutofit fontScale="70000"/>
-          </a:bodyPr>
-          <a:p>
-            <a:r>
-              <a:rPr lang="zh-CN" altLang="en-US">
-                <a:sym typeface="+mn-ea"/>
-              </a:rPr>
-              <a:t>从输入</a:t>
-            </a:r>
-            <a:r>
-              <a:rPr lang="en-US" altLang="zh-CN">
-                <a:sym typeface="+mn-ea"/>
-              </a:rPr>
-              <a:t>URL</a:t>
-            </a:r>
-            <a:r>
-              <a:rPr lang="zh-CN" altLang="en-US">
-                <a:sym typeface="+mn-ea"/>
-              </a:rPr>
-              <a:t>到页面展示，中间发生了什么？</a:t>
-            </a:r>
-            <a:endParaRPr lang="zh-CN" altLang="en-US">
-              <a:sym typeface="+mn-ea"/>
-            </a:endParaRPr>
-          </a:p>
-          <a:p>
-            <a:pPr lvl="1"/>
-            <a:r>
-              <a:rPr lang="zh-CN" altLang="en-US"/>
-              <a:t>导航流程</a:t>
-            </a:r>
-            <a:endParaRPr lang="zh-CN" altLang="en-US"/>
-          </a:p>
-          <a:p>
-            <a:pPr lvl="2"/>
-            <a:r>
-              <a:rPr lang="zh-CN" altLang="en-US"/>
-              <a:t>缓存资源</a:t>
-            </a:r>
-            <a:endParaRPr lang="zh-CN" altLang="en-US"/>
-          </a:p>
-          <a:p>
-            <a:pPr lvl="2"/>
-            <a:r>
-              <a:rPr lang="en-US" altLang="zh-CN"/>
-              <a:t>DNS </a:t>
-            </a:r>
-            <a:r>
-              <a:rPr lang="zh-CN" altLang="en-US"/>
-              <a:t>解析</a:t>
-            </a:r>
-            <a:endParaRPr lang="en-US" altLang="zh-CN"/>
-          </a:p>
-          <a:p>
-            <a:pPr lvl="2"/>
-            <a:r>
-              <a:rPr lang="en-US" altLang="zh-CN"/>
-              <a:t>TCP </a:t>
-            </a:r>
-            <a:r>
-              <a:rPr lang="zh-CN" altLang="en-US"/>
-              <a:t>三次握手</a:t>
-            </a:r>
-            <a:endParaRPr lang="zh-CN" altLang="en-US"/>
-          </a:p>
-          <a:p>
-            <a:pPr lvl="2"/>
-            <a:r>
-              <a:rPr lang="zh-CN" altLang="en-US"/>
-              <a:t>建立 </a:t>
-            </a:r>
-            <a:r>
-              <a:rPr lang="en-US" altLang="zh-CN"/>
-              <a:t>TLS </a:t>
-            </a:r>
-            <a:r>
-              <a:rPr lang="zh-CN" altLang="en-US"/>
-              <a:t>连接</a:t>
-            </a:r>
-            <a:endParaRPr lang="zh-CN" altLang="en-US"/>
-          </a:p>
-          <a:p>
-            <a:pPr lvl="1"/>
-            <a:r>
-              <a:rPr lang="zh-CN" altLang="en-US"/>
-              <a:t>渲染流程</a:t>
-            </a:r>
-            <a:endParaRPr lang="zh-CN" altLang="en-US"/>
-          </a:p>
-          <a:p>
-            <a:pPr lvl="2"/>
-            <a:r>
-              <a:rPr lang="zh-CN" altLang="en-US"/>
-              <a:t>构建</a:t>
-            </a:r>
-            <a:r>
-              <a:rPr lang="en-US" altLang="zh-CN"/>
-              <a:t>DOM</a:t>
-            </a:r>
-            <a:r>
-              <a:rPr lang="zh-CN" altLang="en-US"/>
-              <a:t>树（</a:t>
-            </a:r>
-            <a:r>
-              <a:rPr lang="en-US" altLang="zh-CN"/>
-              <a:t>DOM</a:t>
-            </a:r>
-            <a:r>
-              <a:rPr lang="zh-CN" altLang="en-US"/>
-              <a:t>）</a:t>
-            </a:r>
-            <a:endParaRPr lang="zh-CN" altLang="en-US"/>
-          </a:p>
-          <a:p>
-            <a:pPr lvl="2"/>
-            <a:r>
-              <a:rPr lang="zh-CN" altLang="en-US"/>
-              <a:t>计算</a:t>
-            </a:r>
-            <a:r>
-              <a:rPr lang="zh-CN" altLang="en-US">
-                <a:sym typeface="+mn-ea"/>
-              </a:rPr>
-              <a:t>样式</a:t>
-            </a:r>
-            <a:r>
-              <a:rPr lang="zh-CN" altLang="en-US"/>
-              <a:t>（</a:t>
-            </a:r>
-            <a:r>
-              <a:rPr lang="en-US" altLang="zh-CN"/>
-              <a:t>Recalculate style</a:t>
-            </a:r>
-            <a:r>
-              <a:rPr lang="zh-CN" altLang="en-US"/>
-              <a:t>）</a:t>
-            </a:r>
-            <a:endParaRPr lang="zh-CN" altLang="en-US"/>
-          </a:p>
-          <a:p>
-            <a:pPr lvl="2"/>
-            <a:r>
-              <a:rPr lang="zh-CN" altLang="en-US"/>
-              <a:t>布局（</a:t>
-            </a:r>
-            <a:r>
-              <a:rPr lang="en-US" altLang="zh-CN"/>
-              <a:t>Layout</a:t>
-            </a:r>
-            <a:r>
-              <a:rPr lang="zh-CN" altLang="en-US"/>
-              <a:t>）</a:t>
-            </a:r>
-            <a:endParaRPr lang="zh-CN" altLang="en-US"/>
-          </a:p>
-          <a:p>
-            <a:pPr lvl="2"/>
-            <a:r>
-              <a:rPr lang="zh-CN" altLang="en-US"/>
-              <a:t>分层（</a:t>
-            </a:r>
-            <a:r>
-              <a:rPr lang="en-US" altLang="zh-CN"/>
-              <a:t>Layer</a:t>
-            </a:r>
-            <a:r>
-              <a:rPr lang="zh-CN" altLang="en-US"/>
-              <a:t>）</a:t>
-            </a:r>
-            <a:endParaRPr lang="zh-CN" altLang="en-US"/>
-          </a:p>
-          <a:p>
-            <a:pPr lvl="2"/>
-            <a:r>
-              <a:rPr lang="zh-CN" altLang="en-US"/>
-              <a:t>绘制（</a:t>
-            </a:r>
-            <a:r>
-              <a:rPr lang="en-US" altLang="zh-CN"/>
-              <a:t>Paint</a:t>
-            </a:r>
-            <a:r>
-              <a:rPr lang="zh-CN" altLang="en-US"/>
-              <a:t>）</a:t>
-            </a:r>
-            <a:endParaRPr lang="zh-CN" altLang="en-US"/>
-          </a:p>
-          <a:p>
-            <a:pPr lvl="2"/>
-            <a:r>
-              <a:rPr lang="zh-CN" altLang="en-US"/>
-              <a:t>分块（</a:t>
-            </a:r>
-            <a:r>
-              <a:rPr lang="en-US" altLang="zh-CN"/>
-              <a:t>Tiles</a:t>
-            </a:r>
-            <a:r>
-              <a:rPr lang="zh-CN" altLang="en-US"/>
-              <a:t>）</a:t>
-            </a:r>
-            <a:endParaRPr lang="zh-CN" altLang="en-US"/>
-          </a:p>
-          <a:p>
-            <a:pPr lvl="2"/>
-            <a:r>
-              <a:rPr lang="zh-CN" altLang="en-US"/>
-              <a:t>光栅化（</a:t>
-            </a:r>
-            <a:r>
-              <a:rPr lang="en-US" altLang="zh-CN"/>
-              <a:t>Raster</a:t>
-            </a:r>
-            <a:r>
-              <a:rPr lang="zh-CN" altLang="en-US"/>
-              <a:t>）</a:t>
-            </a:r>
-            <a:endParaRPr lang="zh-CN" altLang="en-US"/>
-          </a:p>
-          <a:p>
-            <a:pPr lvl="2"/>
-            <a:r>
-              <a:rPr lang="zh-CN" altLang="en-US"/>
-              <a:t>合成（</a:t>
-            </a:r>
-            <a:r>
-              <a:rPr lang="en-US" altLang="zh-CN"/>
-              <a:t>Compositor</a:t>
-            </a:r>
-            <a:r>
-              <a:rPr lang="zh-CN" altLang="en-US"/>
-              <a:t>）</a:t>
-            </a:r>
-            <a:endParaRPr lang="zh-CN" altLang="en-US"/>
-          </a:p>
-          <a:p>
-            <a:pPr lvl="2"/>
-            <a:r>
-              <a:rPr lang="zh-CN" altLang="en-US"/>
-              <a:t>显示（</a:t>
-            </a:r>
-            <a:r>
-              <a:rPr lang="en-US" altLang="zh-CN"/>
-              <a:t>Display</a:t>
-            </a:r>
-            <a:r>
-              <a:rPr lang="zh-CN" altLang="en-US"/>
-              <a:t>）</a:t>
-            </a:r>
-            <a:endParaRPr lang="zh-CN" altLang="en-US"/>
-          </a:p>
-        </p:txBody>
-      </p:sp>
-    </p:spTree>
-  </p:cSld>
-  <p:clrMapOvr>
-    <a:masterClrMapping/>
-  </p:clrMapOvr>
-</p:sld>
-</file>
-
 <file path=ppt/slides/slide2.xml><?xml version="1.0" encoding="utf-8"?>
 <p:sld xmlns:a="http://schemas.openxmlformats.org/drawingml/2006/main" xmlns:r="http://schemas.openxmlformats.org/officeDocument/2006/relationships" xmlns:p="http://schemas.openxmlformats.org/presentationml/2006/main">
   <p:cSld>
@@ -4391,7 +4232,558 @@
 </p:sld>
 </file>
 
+<file path=ppt/slides/slide20.xml><?xml version="1.0" encoding="utf-8"?>
+<p:sld xmlns:a="http://schemas.openxmlformats.org/drawingml/2006/main" xmlns:r="http://schemas.openxmlformats.org/officeDocument/2006/relationships" xmlns:p="http://schemas.openxmlformats.org/presentationml/2006/main">
+  <p:cSld>
+    <p:spTree>
+      <p:nvGrpSpPr>
+        <p:cNvPr id="1" name=""/>
+        <p:cNvGrpSpPr/>
+        <p:nvPr/>
+      </p:nvGrpSpPr>
+      <p:grpSpPr/>
+      <p:sp>
+        <p:nvSpPr>
+          <p:cNvPr id="2" name="Title 1"/>
+          <p:cNvSpPr>
+            <a:spLocks noGrp="1"/>
+          </p:cNvSpPr>
+          <p:nvPr>
+            <p:ph type="title"/>
+          </p:nvPr>
+        </p:nvSpPr>
+        <p:spPr/>
+        <p:txBody>
+          <a:bodyPr/>
+          <a:p>
+            <a:r>
+              <a:rPr lang="zh-CN" altLang="en-US"/>
+              <a:t>下期预告</a:t>
+            </a:r>
+            <a:endParaRPr lang="zh-CN" altLang="en-US"/>
+          </a:p>
+        </p:txBody>
+      </p:sp>
+      <p:sp>
+        <p:nvSpPr>
+          <p:cNvPr id="3" name="Content Placeholder 2"/>
+          <p:cNvSpPr>
+            <a:spLocks noGrp="1"/>
+          </p:cNvSpPr>
+          <p:nvPr>
+            <p:ph idx="1"/>
+          </p:nvPr>
+        </p:nvSpPr>
+        <p:spPr/>
+        <p:txBody>
+          <a:bodyPr>
+            <a:normAutofit fontScale="70000"/>
+          </a:bodyPr>
+          <a:p>
+            <a:r>
+              <a:rPr lang="zh-CN" altLang="en-US">
+                <a:sym typeface="+mn-ea"/>
+              </a:rPr>
+              <a:t>从输入</a:t>
+            </a:r>
+            <a:r>
+              <a:rPr lang="en-US" altLang="zh-CN">
+                <a:sym typeface="+mn-ea"/>
+              </a:rPr>
+              <a:t>URL</a:t>
+            </a:r>
+            <a:r>
+              <a:rPr lang="zh-CN" altLang="en-US">
+                <a:sym typeface="+mn-ea"/>
+              </a:rPr>
+              <a:t>到页面展示，中间发生了什么？</a:t>
+            </a:r>
+            <a:endParaRPr lang="zh-CN" altLang="en-US">
+              <a:sym typeface="+mn-ea"/>
+            </a:endParaRPr>
+          </a:p>
+          <a:p>
+            <a:pPr lvl="1"/>
+            <a:r>
+              <a:rPr lang="zh-CN" altLang="en-US"/>
+              <a:t>导航流程</a:t>
+            </a:r>
+            <a:endParaRPr lang="zh-CN" altLang="en-US"/>
+          </a:p>
+          <a:p>
+            <a:pPr lvl="2"/>
+            <a:r>
+              <a:rPr lang="zh-CN" altLang="en-US"/>
+              <a:t>缓存资源</a:t>
+            </a:r>
+            <a:endParaRPr lang="zh-CN" altLang="en-US"/>
+          </a:p>
+          <a:p>
+            <a:pPr lvl="2"/>
+            <a:r>
+              <a:rPr lang="en-US" altLang="zh-CN"/>
+              <a:t>DNS </a:t>
+            </a:r>
+            <a:r>
+              <a:rPr lang="zh-CN" altLang="en-US"/>
+              <a:t>解析</a:t>
+            </a:r>
+            <a:endParaRPr lang="en-US" altLang="zh-CN"/>
+          </a:p>
+          <a:p>
+            <a:pPr lvl="2"/>
+            <a:r>
+              <a:rPr lang="en-US" altLang="zh-CN"/>
+              <a:t>TCP </a:t>
+            </a:r>
+            <a:r>
+              <a:rPr lang="zh-CN" altLang="en-US"/>
+              <a:t>三次握手</a:t>
+            </a:r>
+            <a:endParaRPr lang="zh-CN" altLang="en-US"/>
+          </a:p>
+          <a:p>
+            <a:pPr lvl="2"/>
+            <a:r>
+              <a:rPr lang="zh-CN" altLang="en-US"/>
+              <a:t>建立 </a:t>
+            </a:r>
+            <a:r>
+              <a:rPr lang="en-US" altLang="zh-CN"/>
+              <a:t>TLS </a:t>
+            </a:r>
+            <a:r>
+              <a:rPr lang="zh-CN" altLang="en-US"/>
+              <a:t>连接</a:t>
+            </a:r>
+            <a:endParaRPr lang="zh-CN" altLang="en-US"/>
+          </a:p>
+          <a:p>
+            <a:pPr lvl="1"/>
+            <a:r>
+              <a:rPr lang="zh-CN" altLang="en-US"/>
+              <a:t>渲染流程</a:t>
+            </a:r>
+            <a:endParaRPr lang="zh-CN" altLang="en-US"/>
+          </a:p>
+          <a:p>
+            <a:pPr lvl="2"/>
+            <a:r>
+              <a:rPr lang="zh-CN" altLang="en-US"/>
+              <a:t>构建</a:t>
+            </a:r>
+            <a:r>
+              <a:rPr lang="en-US" altLang="zh-CN"/>
+              <a:t>DOM</a:t>
+            </a:r>
+            <a:r>
+              <a:rPr lang="zh-CN" altLang="en-US"/>
+              <a:t>树（</a:t>
+            </a:r>
+            <a:r>
+              <a:rPr lang="en-US" altLang="zh-CN"/>
+              <a:t>DOM</a:t>
+            </a:r>
+            <a:r>
+              <a:rPr lang="zh-CN" altLang="en-US"/>
+              <a:t>）</a:t>
+            </a:r>
+            <a:endParaRPr lang="zh-CN" altLang="en-US"/>
+          </a:p>
+          <a:p>
+            <a:pPr lvl="2"/>
+            <a:r>
+              <a:rPr lang="zh-CN" altLang="en-US"/>
+              <a:t>计算</a:t>
+            </a:r>
+            <a:r>
+              <a:rPr lang="zh-CN" altLang="en-US">
+                <a:sym typeface="+mn-ea"/>
+              </a:rPr>
+              <a:t>样式</a:t>
+            </a:r>
+            <a:r>
+              <a:rPr lang="zh-CN" altLang="en-US"/>
+              <a:t>（</a:t>
+            </a:r>
+            <a:r>
+              <a:rPr lang="en-US" altLang="zh-CN"/>
+              <a:t>Recalculate style</a:t>
+            </a:r>
+            <a:r>
+              <a:rPr lang="zh-CN" altLang="en-US"/>
+              <a:t>）</a:t>
+            </a:r>
+            <a:endParaRPr lang="zh-CN" altLang="en-US"/>
+          </a:p>
+          <a:p>
+            <a:pPr lvl="2"/>
+            <a:r>
+              <a:rPr lang="zh-CN" altLang="en-US"/>
+              <a:t>布局（</a:t>
+            </a:r>
+            <a:r>
+              <a:rPr lang="en-US" altLang="zh-CN"/>
+              <a:t>Layout</a:t>
+            </a:r>
+            <a:r>
+              <a:rPr lang="zh-CN" altLang="en-US"/>
+              <a:t>）</a:t>
+            </a:r>
+            <a:endParaRPr lang="zh-CN" altLang="en-US"/>
+          </a:p>
+          <a:p>
+            <a:pPr lvl="2"/>
+            <a:r>
+              <a:rPr lang="zh-CN" altLang="en-US"/>
+              <a:t>分层（</a:t>
+            </a:r>
+            <a:r>
+              <a:rPr lang="en-US" altLang="zh-CN"/>
+              <a:t>Layer</a:t>
+            </a:r>
+            <a:r>
+              <a:rPr lang="zh-CN" altLang="en-US"/>
+              <a:t>）</a:t>
+            </a:r>
+            <a:endParaRPr lang="zh-CN" altLang="en-US"/>
+          </a:p>
+          <a:p>
+            <a:pPr lvl="2"/>
+            <a:r>
+              <a:rPr lang="zh-CN" altLang="en-US"/>
+              <a:t>绘制（</a:t>
+            </a:r>
+            <a:r>
+              <a:rPr lang="en-US" altLang="zh-CN"/>
+              <a:t>Paint</a:t>
+            </a:r>
+            <a:r>
+              <a:rPr lang="zh-CN" altLang="en-US"/>
+              <a:t>）</a:t>
+            </a:r>
+            <a:endParaRPr lang="zh-CN" altLang="en-US"/>
+          </a:p>
+          <a:p>
+            <a:pPr lvl="2"/>
+            <a:r>
+              <a:rPr lang="zh-CN" altLang="en-US"/>
+              <a:t>分块（</a:t>
+            </a:r>
+            <a:r>
+              <a:rPr lang="en-US" altLang="zh-CN"/>
+              <a:t>Tiles</a:t>
+            </a:r>
+            <a:r>
+              <a:rPr lang="zh-CN" altLang="en-US"/>
+              <a:t>）</a:t>
+            </a:r>
+            <a:endParaRPr lang="zh-CN" altLang="en-US"/>
+          </a:p>
+          <a:p>
+            <a:pPr lvl="2"/>
+            <a:r>
+              <a:rPr lang="zh-CN" altLang="en-US"/>
+              <a:t>光栅化（</a:t>
+            </a:r>
+            <a:r>
+              <a:rPr lang="en-US" altLang="zh-CN"/>
+              <a:t>Raster</a:t>
+            </a:r>
+            <a:r>
+              <a:rPr lang="zh-CN" altLang="en-US"/>
+              <a:t>）</a:t>
+            </a:r>
+            <a:endParaRPr lang="zh-CN" altLang="en-US"/>
+          </a:p>
+          <a:p>
+            <a:pPr lvl="2"/>
+            <a:r>
+              <a:rPr lang="zh-CN" altLang="en-US"/>
+              <a:t>合成（</a:t>
+            </a:r>
+            <a:r>
+              <a:rPr lang="en-US" altLang="zh-CN"/>
+              <a:t>Compositor</a:t>
+            </a:r>
+            <a:r>
+              <a:rPr lang="zh-CN" altLang="en-US"/>
+              <a:t>）</a:t>
+            </a:r>
+            <a:endParaRPr lang="zh-CN" altLang="en-US"/>
+          </a:p>
+          <a:p>
+            <a:pPr lvl="2"/>
+            <a:r>
+              <a:rPr lang="zh-CN" altLang="en-US"/>
+              <a:t>显示（</a:t>
+            </a:r>
+            <a:r>
+              <a:rPr lang="en-US" altLang="zh-CN"/>
+              <a:t>Display</a:t>
+            </a:r>
+            <a:r>
+              <a:rPr lang="zh-CN" altLang="en-US"/>
+              <a:t>）</a:t>
+            </a:r>
+            <a:endParaRPr lang="zh-CN" altLang="en-US"/>
+          </a:p>
+        </p:txBody>
+      </p:sp>
+    </p:spTree>
+  </p:cSld>
+  <p:clrMapOvr>
+    <a:masterClrMapping/>
+  </p:clrMapOvr>
+</p:sld>
+</file>
+
+<file path=ppt/slides/slide21.xml><?xml version="1.0" encoding="utf-8"?>
+<p:sld xmlns:a="http://schemas.openxmlformats.org/drawingml/2006/main" xmlns:r="http://schemas.openxmlformats.org/officeDocument/2006/relationships" xmlns:p="http://schemas.openxmlformats.org/presentationml/2006/main">
+  <p:cSld>
+    <p:spTree>
+      <p:nvGrpSpPr>
+        <p:cNvPr id="1" name=""/>
+        <p:cNvGrpSpPr/>
+        <p:nvPr/>
+      </p:nvGrpSpPr>
+      <p:grpSpPr/>
+      <p:sp>
+        <p:nvSpPr>
+          <p:cNvPr id="2" name="Title 1"/>
+          <p:cNvSpPr>
+            <a:spLocks noGrp="1"/>
+          </p:cNvSpPr>
+          <p:nvPr>
+            <p:ph type="title"/>
+          </p:nvPr>
+        </p:nvSpPr>
+        <p:spPr/>
+        <p:txBody>
+          <a:bodyPr/>
+          <a:p>
+            <a:r>
+              <a:rPr lang="zh-CN" altLang="en-US"/>
+              <a:t>系列规划</a:t>
+            </a:r>
+            <a:endParaRPr lang="zh-CN" altLang="en-US"/>
+          </a:p>
+        </p:txBody>
+      </p:sp>
+      <p:sp>
+        <p:nvSpPr>
+          <p:cNvPr id="3" name="Content Placeholder 2"/>
+          <p:cNvSpPr>
+            <a:spLocks noGrp="1"/>
+          </p:cNvSpPr>
+          <p:nvPr>
+            <p:ph idx="1"/>
+          </p:nvPr>
+        </p:nvSpPr>
+        <p:spPr/>
+        <p:txBody>
+          <a:bodyPr>
+            <a:normAutofit lnSpcReduction="10000"/>
+          </a:bodyPr>
+          <a:p>
+            <a:r>
+              <a:rPr lang="zh-CN" altLang="en-US"/>
+              <a:t>浏览器架构</a:t>
+            </a:r>
+            <a:endParaRPr lang="zh-CN" altLang="en-US"/>
+          </a:p>
+          <a:p>
+            <a:r>
+              <a:rPr lang="zh-CN" altLang="en-US"/>
+              <a:t>导航流程</a:t>
+            </a:r>
+            <a:endParaRPr lang="zh-CN" altLang="en-US"/>
+          </a:p>
+          <a:p>
+            <a:r>
+              <a:rPr lang="zh-CN" altLang="en-US"/>
+              <a:t>渲染流程</a:t>
+            </a:r>
+            <a:endParaRPr lang="zh-CN" altLang="en-US"/>
+          </a:p>
+          <a:p>
+            <a:r>
+              <a:rPr lang="zh-CN" altLang="en-US"/>
+              <a:t>事件循环</a:t>
+            </a:r>
+            <a:endParaRPr lang="zh-CN" altLang="en-US"/>
+          </a:p>
+          <a:p>
+            <a:r>
+              <a:rPr lang="en-US" altLang="zh-CN"/>
+              <a:t>HTTP</a:t>
+            </a:r>
+            <a:r>
+              <a:rPr lang="zh-CN" altLang="en-US"/>
+              <a:t>协议（包括</a:t>
+            </a:r>
+            <a:r>
+              <a:rPr lang="en-US" altLang="zh-CN"/>
+              <a:t>TCP</a:t>
+            </a:r>
+            <a:r>
+              <a:rPr lang="zh-CN" altLang="en-US"/>
+              <a:t>、</a:t>
+            </a:r>
+            <a:r>
+              <a:rPr lang="en-US" altLang="zh-CN"/>
+              <a:t>TLS</a:t>
+            </a:r>
+            <a:r>
+              <a:rPr lang="zh-CN" altLang="en-US"/>
+              <a:t>等）</a:t>
+            </a:r>
+            <a:endParaRPr lang="zh-CN" altLang="en-US"/>
+          </a:p>
+          <a:p>
+            <a:r>
+              <a:rPr lang="zh-CN" altLang="en-US"/>
+              <a:t>性能分析</a:t>
+            </a:r>
+            <a:endParaRPr lang="zh-CN" altLang="en-US"/>
+          </a:p>
+          <a:p>
+            <a:r>
+              <a:rPr lang="zh-CN" altLang="en-US"/>
+              <a:t>内存相关</a:t>
+            </a:r>
+            <a:endParaRPr lang="zh-CN" altLang="en-US"/>
+          </a:p>
+          <a:p>
+            <a:r>
+              <a:rPr lang="zh-CN" altLang="en-US"/>
+              <a:t>安全相关</a:t>
+            </a:r>
+            <a:endParaRPr lang="zh-CN" altLang="en-US"/>
+          </a:p>
+          <a:p>
+            <a:r>
+              <a:rPr lang="en-US" altLang="zh-CN"/>
+              <a:t>V8</a:t>
+            </a:r>
+            <a:r>
+              <a:rPr lang="zh-CN" altLang="en-US"/>
+              <a:t>引擎</a:t>
+            </a:r>
+            <a:endParaRPr lang="zh-CN" altLang="en-US"/>
+          </a:p>
+        </p:txBody>
+      </p:sp>
+    </p:spTree>
+  </p:cSld>
+  <p:clrMapOvr>
+    <a:masterClrMapping/>
+  </p:clrMapOvr>
+</p:sld>
+</file>
+
 <file path=ppt/slides/slide3.xml><?xml version="1.0" encoding="utf-8"?>
+<p:sld xmlns:a="http://schemas.openxmlformats.org/drawingml/2006/main" xmlns:r="http://schemas.openxmlformats.org/officeDocument/2006/relationships" xmlns:p="http://schemas.openxmlformats.org/presentationml/2006/main">
+  <p:cSld>
+    <p:spTree>
+      <p:nvGrpSpPr>
+        <p:cNvPr id="1" name=""/>
+        <p:cNvGrpSpPr/>
+        <p:nvPr/>
+      </p:nvGrpSpPr>
+      <p:grpSpPr/>
+      <p:sp>
+        <p:nvSpPr>
+          <p:cNvPr id="2" name="Title 1"/>
+          <p:cNvSpPr>
+            <a:spLocks noGrp="1"/>
+          </p:cNvSpPr>
+          <p:nvPr>
+            <p:ph type="title"/>
+          </p:nvPr>
+        </p:nvSpPr>
+        <p:spPr/>
+        <p:txBody>
+          <a:bodyPr/>
+          <a:p>
+            <a:r>
+              <a:rPr lang="zh-CN" altLang="en-US"/>
+              <a:t>目的</a:t>
+            </a:r>
+            <a:endParaRPr lang="zh-CN" altLang="en-US"/>
+          </a:p>
+        </p:txBody>
+      </p:sp>
+      <p:sp>
+        <p:nvSpPr>
+          <p:cNvPr id="3" name="Content Placeholder 2"/>
+          <p:cNvSpPr>
+            <a:spLocks noGrp="1"/>
+          </p:cNvSpPr>
+          <p:nvPr>
+            <p:ph idx="1"/>
+          </p:nvPr>
+        </p:nvSpPr>
+        <p:spPr/>
+        <p:txBody>
+          <a:bodyPr/>
+          <a:p>
+            <a:r>
+              <a:rPr lang="zh-CN" altLang="en-US"/>
+              <a:t>掌握浏览器内部原理</a:t>
+            </a:r>
+            <a:endParaRPr lang="zh-CN" altLang="en-US"/>
+          </a:p>
+          <a:p>
+            <a:r>
+              <a:rPr lang="zh-CN" altLang="en-US">
+                <a:sym typeface="+mn-ea"/>
+              </a:rPr>
+              <a:t>掌握</a:t>
+            </a:r>
+            <a:r>
+              <a:rPr lang="zh-CN" altLang="en-US"/>
+              <a:t>性能分析和优化</a:t>
+            </a:r>
+            <a:endParaRPr lang="zh-CN" altLang="en-US"/>
+          </a:p>
+          <a:p>
+            <a:r>
+              <a:rPr lang="zh-CN" altLang="en-US"/>
+              <a:t>开发高性能应用程序</a:t>
+            </a:r>
+            <a:endParaRPr lang="zh-CN" altLang="en-US"/>
+          </a:p>
+          <a:p>
+            <a:r>
+              <a:rPr lang="zh-CN" altLang="en-US">
+                <a:solidFill>
+                  <a:srgbClr val="00B050"/>
+                </a:solidFill>
+                <a:sym typeface="+mn-ea"/>
+              </a:rPr>
+              <a:t>万变不离其宗</a:t>
+            </a:r>
+            <a:endParaRPr lang="en-US" altLang="zh-CN"/>
+          </a:p>
+          <a:p>
+            <a:r>
+              <a:rPr lang="en-US" altLang="zh-CN"/>
+              <a:t>...</a:t>
+            </a:r>
+            <a:endParaRPr lang="en-US" altLang="zh-CN"/>
+          </a:p>
+        </p:txBody>
+      </p:sp>
+    </p:spTree>
+  </p:cSld>
+  <p:clrMapOvr>
+    <a:masterClrMapping/>
+  </p:clrMapOvr>
+</p:sld>
+</file>
+
+<file path=ppt/slides/slide4.xml><?xml version="1.0" encoding="utf-8"?>
 <p:sld xmlns:a="http://schemas.openxmlformats.org/drawingml/2006/main" xmlns:r="http://schemas.openxmlformats.org/officeDocument/2006/relationships" xmlns:p="http://schemas.openxmlformats.org/presentationml/2006/main">
   <p:cSld>
     <p:spTree>
@@ -4524,82 +4916,6 @@
 </p:sld>
 </file>
 
-<file path=ppt/slides/slide4.xml><?xml version="1.0" encoding="utf-8"?>
-<p:sld xmlns:a="http://schemas.openxmlformats.org/drawingml/2006/main" xmlns:r="http://schemas.openxmlformats.org/officeDocument/2006/relationships" xmlns:p="http://schemas.openxmlformats.org/presentationml/2006/main">
-  <p:cSld>
-    <p:spTree>
-      <p:nvGrpSpPr>
-        <p:cNvPr id="1" name=""/>
-        <p:cNvGrpSpPr/>
-        <p:nvPr/>
-      </p:nvGrpSpPr>
-      <p:grpSpPr/>
-      <p:sp>
-        <p:nvSpPr>
-          <p:cNvPr id="2" name="Title 1"/>
-          <p:cNvSpPr>
-            <a:spLocks noGrp="1"/>
-          </p:cNvSpPr>
-          <p:nvPr>
-            <p:ph type="title"/>
-          </p:nvPr>
-        </p:nvSpPr>
-        <p:spPr/>
-        <p:txBody>
-          <a:bodyPr/>
-          <a:p>
-            <a:r>
-              <a:rPr lang="zh-CN" altLang="en-US"/>
-              <a:t>打开一个“</a:t>
-            </a:r>
-            <a:r>
-              <a:rPr lang="zh-CN" altLang="en-US">
-                <a:sym typeface="+mn-ea"/>
-              </a:rPr>
-              <a:t>空页面</a:t>
-            </a:r>
-            <a:r>
-              <a:rPr lang="zh-CN" altLang="en-US"/>
-              <a:t>”，会有几个进程？</a:t>
-            </a:r>
-            <a:endParaRPr lang="zh-CN" altLang="en-US"/>
-          </a:p>
-        </p:txBody>
-      </p:sp>
-      <p:pic>
-        <p:nvPicPr>
-          <p:cNvPr id="4" name="Content Placeholder 3"/>
-          <p:cNvPicPr>
-            <a:picLocks noChangeAspect="1"/>
-          </p:cNvPicPr>
-          <p:nvPr>
-            <p:ph idx="1"/>
-          </p:nvPr>
-        </p:nvPicPr>
-        <p:blipFill>
-          <a:blip r:embed="rId1"/>
-          <a:stretch>
-            <a:fillRect/>
-          </a:stretch>
-        </p:blipFill>
-        <p:spPr>
-          <a:xfrm>
-            <a:off x="838200" y="2103755"/>
-            <a:ext cx="10515600" cy="3794125"/>
-          </a:xfrm>
-          <a:prstGeom prst="rect">
-            <a:avLst/>
-          </a:prstGeom>
-        </p:spPr>
-      </p:pic>
-    </p:spTree>
-  </p:cSld>
-  <p:clrMapOvr>
-    <a:masterClrMapping/>
-  </p:clrMapOvr>
-</p:sld>
-</file>
-
 <file path=ppt/slides/slide5.xml><?xml version="1.0" encoding="utf-8"?>
 <p:sld xmlns:a="http://schemas.openxmlformats.org/drawingml/2006/main" xmlns:r="http://schemas.openxmlformats.org/officeDocument/2006/relationships" xmlns:p="http://schemas.openxmlformats.org/presentationml/2006/main">
   <p:cSld>
@@ -4632,7 +4948,7 @@
               <a:rPr lang="zh-CN" altLang="en-US">
                 <a:sym typeface="+mn-ea"/>
               </a:rPr>
-              <a:t>百度</a:t>
+              <a:t>空页面</a:t>
             </a:r>
             <a:r>
               <a:rPr lang="zh-CN" altLang="en-US"/>
@@ -4644,7 +4960,7 @@
       </p:sp>
       <p:pic>
         <p:nvPicPr>
-          <p:cNvPr id="6" name="Content Placeholder 5"/>
+          <p:cNvPr id="4" name="Content Placeholder 3"/>
           <p:cNvPicPr>
             <a:picLocks noChangeAspect="1"/>
           </p:cNvPicPr>
@@ -4701,49 +5017,32 @@
           <a:bodyPr/>
           <a:p>
             <a:r>
-              <a:rPr lang="en-US" altLang="zh-CN"/>
-              <a:t>Chrome </a:t>
-            </a:r>
-            <a:r>
-              <a:rPr lang="zh-CN" altLang="en-US"/>
-              <a:t>任务管理器</a:t>
+              <a:rPr lang="zh-CN" altLang="en-US"/>
+              <a:t>打开一个“</a:t>
+            </a:r>
+            <a:r>
+              <a:rPr lang="zh-CN" altLang="en-US">
+                <a:sym typeface="+mn-ea"/>
+              </a:rPr>
+              <a:t>百度</a:t>
+            </a:r>
+            <a:r>
+              <a:rPr lang="zh-CN" altLang="en-US"/>
+              <a:t>”，会有几个进程？</a:t>
             </a:r>
             <a:endParaRPr lang="zh-CN" altLang="en-US"/>
-          </a:p>
-        </p:txBody>
-      </p:sp>
-      <p:sp>
-        <p:nvSpPr>
-          <p:cNvPr id="3" name="Content Placeholder 2"/>
-          <p:cNvSpPr>
-            <a:spLocks noGrp="1"/>
-          </p:cNvSpPr>
-          <p:nvPr>
-            <p:ph idx="1"/>
-          </p:nvPr>
-        </p:nvSpPr>
-        <p:spPr/>
-        <p:txBody>
-          <a:bodyPr/>
-          <a:p>
-            <a:pPr marL="0" indent="0">
-              <a:buNone/>
-            </a:pPr>
-            <a:r>
-              <a:rPr lang="en-US"/>
-              <a:t>点击 Chrome 浏览器右上角的“选项”菜单，选择“更多工具”子菜单，点击“任务管理器”</a:t>
-            </a:r>
-            <a:endParaRPr lang="en-US"/>
           </a:p>
         </p:txBody>
       </p:sp>
       <p:pic>
         <p:nvPicPr>
-          <p:cNvPr id="4" name="Picture 3"/>
+          <p:cNvPr id="6" name="Content Placeholder 5"/>
           <p:cNvPicPr>
             <a:picLocks noChangeAspect="1"/>
           </p:cNvPicPr>
-          <p:nvPr/>
+          <p:nvPr>
+            <p:ph idx="1"/>
+          </p:nvPr>
         </p:nvPicPr>
         <p:blipFill>
           <a:blip r:embed="rId1"/>
@@ -4753,8 +5052,8 @@
         </p:blipFill>
         <p:spPr>
           <a:xfrm>
-            <a:off x="3957955" y="2893060"/>
-            <a:ext cx="4276090" cy="3486150"/>
+            <a:off x="838200" y="2103755"/>
+            <a:ext cx="10515600" cy="3794125"/>
           </a:xfrm>
           <a:prstGeom prst="rect">
             <a:avLst/>
@@ -4794,111 +5093,41 @@
           <a:bodyPr/>
           <a:p>
             <a:r>
-              <a:rPr lang="zh-CN" altLang="en-US"/>
-              <a:t>什么进程？什么是线程？</a:t>
+              <a:rPr lang="en-US" altLang="zh-CN"/>
+              <a:t>Chrome </a:t>
+            </a:r>
+            <a:r>
+              <a:rPr lang="zh-CN" altLang="en-US"/>
+              <a:t>任务管理器</a:t>
             </a:r>
             <a:endParaRPr lang="zh-CN" altLang="en-US"/>
           </a:p>
         </p:txBody>
       </p:sp>
-      <p:sp>
-        <p:nvSpPr>
-          <p:cNvPr id="3" name="Content Placeholder 2"/>
-          <p:cNvSpPr>
-            <a:spLocks noGrp="1"/>
-          </p:cNvSpPr>
-          <p:nvPr>
-            <p:ph idx="1"/>
-          </p:nvPr>
-        </p:nvSpPr>
-        <p:spPr/>
-        <p:txBody>
-          <a:bodyPr/>
-          <a:p>
-            <a:r>
-              <a:rPr lang="en-US"/>
-              <a:t>进程</a:t>
-            </a:r>
-            <a:r>
-              <a:rPr lang="zh-CN" altLang="en-US"/>
-              <a:t>：它</a:t>
-            </a:r>
-            <a:r>
-              <a:rPr lang="en-US"/>
-              <a:t>是一个</a:t>
-            </a:r>
-            <a:r>
-              <a:rPr lang="zh-CN" altLang="en-US"/>
-              <a:t>应用</a:t>
-            </a:r>
-            <a:r>
-              <a:rPr lang="en-US"/>
-              <a:t>程序的运行实例。</a:t>
-            </a:r>
-            <a:endParaRPr lang="en-US"/>
-          </a:p>
-          <a:p>
-            <a:r>
-              <a:rPr lang="en-US"/>
-              <a:t>线程</a:t>
-            </a:r>
-            <a:r>
-              <a:rPr lang="zh-CN" altLang="en-US"/>
-              <a:t>：它</a:t>
-            </a:r>
-            <a:r>
-              <a:rPr lang="en-US"/>
-              <a:t>是不能单独存在的，它由进程来启动和管理。</a:t>
-            </a:r>
-            <a:endParaRPr lang="en-US"/>
-          </a:p>
-          <a:p>
-            <a:r>
-              <a:rPr lang="en-US">
-                <a:sym typeface="+mn-ea"/>
-              </a:rPr>
-              <a:t>并行处理</a:t>
-            </a:r>
-            <a:r>
-              <a:rPr lang="zh-CN" altLang="en-US">
-                <a:sym typeface="+mn-ea"/>
-              </a:rPr>
-              <a:t>：计算机可以在</a:t>
-            </a:r>
-            <a:r>
-              <a:rPr lang="en-US">
-                <a:sym typeface="+mn-ea"/>
-              </a:rPr>
-              <a:t>同一时刻处理</a:t>
-            </a:r>
-            <a:r>
-              <a:rPr lang="zh-CN" altLang="en-US">
-                <a:sym typeface="+mn-ea"/>
-              </a:rPr>
-              <a:t>（多线程）</a:t>
-            </a:r>
-            <a:r>
-              <a:rPr lang="en-US">
-                <a:sym typeface="+mn-ea"/>
-              </a:rPr>
-              <a:t>多个任务</a:t>
-            </a:r>
-            <a:r>
-              <a:rPr lang="zh-CN" altLang="en-US">
-                <a:sym typeface="+mn-ea"/>
-              </a:rPr>
-              <a:t>。</a:t>
-            </a:r>
-            <a:endParaRPr lang="en-US"/>
-          </a:p>
-          <a:p>
-            <a:pPr marL="0" indent="0">
-              <a:buNone/>
-            </a:pPr>
-            <a:endParaRPr lang="en-US"/>
-          </a:p>
-        </p:txBody>
-      </p:sp>
+      <p:pic>
+        <p:nvPicPr>
+          <p:cNvPr id="4" name="Picture 3"/>
+          <p:cNvPicPr>
+            <a:picLocks noChangeAspect="1"/>
+          </p:cNvPicPr>
+          <p:nvPr/>
+        </p:nvPicPr>
+        <p:blipFill>
+          <a:blip r:embed="rId1"/>
+          <a:stretch>
+            <a:fillRect/>
+          </a:stretch>
+        </p:blipFill>
+        <p:spPr>
+          <a:xfrm>
+            <a:off x="2647950" y="1824990"/>
+            <a:ext cx="5586095" cy="4554220"/>
+          </a:xfrm>
+          <a:prstGeom prst="rect">
+            <a:avLst/>
+          </a:prstGeom>
+        </p:spPr>
+      </p:pic>
     </p:spTree>
   </p:cSld>
   <p:clrMapOvr>
@@ -4933,7 +5162,7 @@
           <a:p>
             <a:r>
               <a:rPr lang="zh-CN" altLang="en-US"/>
-              <a:t>进程和线程的关系特性</a:t>
+              <a:t>什么进程？什么是线程？</a:t>
             </a:r>
             <a:endParaRPr lang="zh-CN" altLang="en-US"/>
           </a:p>
@@ -4953,60 +5182,87 @@
         <p:txBody>
           <a:bodyPr/>
           <a:p>
-            <a:pPr marL="514350" indent="-514350">
-              <a:buFont typeface="+mj-lt"/>
-              <a:buAutoNum type="arabicPeriod"/>
+            <a:r>
+              <a:rPr lang="en-US"/>
+              <a:t>进程</a:t>
+            </a:r>
+            <a:r>
+              <a:rPr lang="zh-CN" altLang="en-US"/>
+              <a:t>：它</a:t>
+            </a:r>
+            <a:r>
+              <a:rPr lang="en-US"/>
+              <a:t>是一个</a:t>
+            </a:r>
+            <a:r>
+              <a:rPr lang="zh-CN" altLang="en-US"/>
+              <a:t>应用</a:t>
+            </a:r>
+            <a:r>
+              <a:rPr lang="en-US"/>
+              <a:t>程序的运行实例。</a:t>
+            </a:r>
+            <a:endParaRPr lang="en-US"/>
+          </a:p>
+          <a:p>
+            <a:r>
+              <a:rPr lang="en-US"/>
+              <a:t>线程</a:t>
+            </a:r>
+            <a:r>
+              <a:rPr lang="zh-CN" altLang="en-US"/>
+              <a:t>：它</a:t>
+            </a:r>
+            <a:r>
+              <a:rPr lang="en-US"/>
+              <a:t>是不能单独存在的，它由进程来启动和管理。</a:t>
+            </a:r>
+            <a:endParaRPr lang="en-US"/>
+          </a:p>
+          <a:p>
+            <a:r>
+              <a:rPr lang="en-US">
+                <a:sym typeface="+mn-ea"/>
+              </a:rPr>
+              <a:t>并行处理</a:t>
+            </a:r>
+            <a:r>
+              <a:rPr lang="zh-CN" altLang="en-US">
+                <a:sym typeface="+mn-ea"/>
+              </a:rPr>
+              <a:t>：计算机可以在</a:t>
+            </a:r>
+            <a:r>
+              <a:rPr lang="en-US">
+                <a:sym typeface="+mn-ea"/>
+              </a:rPr>
+              <a:t>同一时刻处理</a:t>
+            </a:r>
+            <a:r>
+              <a:rPr lang="zh-CN" altLang="en-US">
+                <a:sym typeface="+mn-ea"/>
+              </a:rPr>
+              <a:t>（多线程）</a:t>
+            </a:r>
+            <a:r>
+              <a:rPr lang="en-US">
+                <a:sym typeface="+mn-ea"/>
+              </a:rPr>
+              <a:t>多个任务</a:t>
+            </a:r>
+            <a:r>
+              <a:rPr lang="zh-CN" altLang="en-US">
+                <a:sym typeface="+mn-ea"/>
+              </a:rPr>
+              <a:t>。</a:t>
+            </a:r>
+            <a:endParaRPr lang="en-US"/>
+          </a:p>
+          <a:p>
+            <a:pPr marL="0" indent="0">
+              <a:buNone/>
             </a:pPr>
-            <a:r>
-              <a:rPr lang="en-US"/>
-              <a:t>进程中的任意一线程执行出错，都会导致整个进程的崩溃。</a:t>
-            </a:r>
-            <a:endParaRPr lang="en-US"/>
-          </a:p>
-          <a:p>
-            <a:pPr marL="514350" indent="-514350">
-              <a:buFont typeface="+mj-lt"/>
-              <a:buAutoNum type="arabicPeriod"/>
-            </a:pPr>
-            <a:r>
-              <a:rPr lang="en-US"/>
-              <a:t>线程之间共享进程中的数据。</a:t>
-            </a:r>
-            <a:endParaRPr lang="en-US"/>
-          </a:p>
-          <a:p>
-            <a:pPr marL="514350" indent="-514350">
-              <a:buFont typeface="+mj-lt"/>
-              <a:buAutoNum type="arabicPeriod"/>
-            </a:pPr>
-            <a:r>
-              <a:rPr lang="en-US"/>
-              <a:t>当一个进程关闭之后，操作系统会回收进程所占用的内存。</a:t>
-            </a:r>
-            <a:endParaRPr lang="en-US"/>
-          </a:p>
-          <a:p>
-            <a:pPr marL="514350" indent="-514350">
-              <a:buFont typeface="+mj-lt"/>
-              <a:buAutoNum type="arabicPeriod"/>
-            </a:pPr>
-            <a:r>
-              <a:rPr lang="en-US"/>
-              <a:t>进程之间的内容相互隔离</a:t>
-            </a:r>
-            <a:r>
-              <a:rPr lang="zh-CN" altLang="en-US"/>
-              <a:t>。另外，进程之间数据通信，需要使用进程间通信（IPC</a:t>
-            </a:r>
-            <a:r>
-              <a:rPr lang="en-US" altLang="zh-CN"/>
-              <a:t>, InterProcess Communication</a:t>
-            </a:r>
-            <a:r>
-              <a:rPr lang="zh-CN" altLang="en-US"/>
-              <a:t>）机制。</a:t>
-            </a:r>
-            <a:endParaRPr lang="zh-CN" altLang="en-US"/>
+            <a:endParaRPr lang="en-US"/>
           </a:p>
         </p:txBody>
       </p:sp>
@@ -5044,7 +5300,7 @@
           <a:p>
             <a:r>
               <a:rPr lang="zh-CN" altLang="en-US"/>
-              <a:t>浏览器架构演变过程</a:t>
+              <a:t>进程和线程的关系特性</a:t>
             </a:r>
             <a:endParaRPr lang="zh-CN" altLang="en-US"/>
           </a:p>
@@ -5064,94 +5320,60 @@
         <p:txBody>
           <a:bodyPr/>
           <a:p>
-            <a:r>
-              <a:rPr lang="zh-CN" altLang="en-US">
-                <a:sym typeface="+mn-ea"/>
-              </a:rPr>
-              <a:t>单进程时代（非</a:t>
-            </a:r>
-            <a:r>
-              <a:rPr lang="en-US" altLang="zh-CN">
-                <a:sym typeface="+mn-ea"/>
-              </a:rPr>
-              <a:t>Chrome</a:t>
-            </a:r>
-            <a:r>
-              <a:rPr lang="zh-CN" altLang="en-US">
-                <a:sym typeface="+mn-ea"/>
-              </a:rPr>
-              <a:t>浏览器）</a:t>
-            </a:r>
-            <a:endParaRPr lang="zh-CN" altLang="en-US">
-              <a:sym typeface="+mn-ea"/>
-            </a:endParaRPr>
-          </a:p>
-          <a:p>
-            <a:r>
-              <a:rPr lang="zh-CN" altLang="en-US">
-                <a:sym typeface="+mn-ea"/>
-              </a:rPr>
-              <a:t>多进程时代（</a:t>
-            </a:r>
-            <a:r>
-              <a:rPr lang="en-US" altLang="zh-CN">
-                <a:sym typeface="+mn-ea"/>
-              </a:rPr>
-              <a:t>Chrome</a:t>
-            </a:r>
-            <a:r>
-              <a:rPr lang="zh-CN" altLang="en-US">
-                <a:sym typeface="+mn-ea"/>
-              </a:rPr>
-              <a:t>早期）</a:t>
-            </a:r>
-            <a:endParaRPr lang="zh-CN" altLang="en-US">
-              <a:sym typeface="+mn-ea"/>
-            </a:endParaRPr>
-          </a:p>
-          <a:p>
-            <a:r>
-              <a:rPr lang="zh-CN" altLang="en-US">
-                <a:sym typeface="+mn-ea"/>
-              </a:rPr>
-              <a:t>多进程时代（</a:t>
-            </a:r>
-            <a:r>
-              <a:rPr lang="en-US" altLang="zh-CN">
-                <a:sym typeface="+mn-ea"/>
-              </a:rPr>
-              <a:t>Chrome</a:t>
-            </a:r>
-            <a:r>
-              <a:rPr lang="zh-CN" altLang="en-US">
-                <a:sym typeface="+mn-ea"/>
-              </a:rPr>
-              <a:t>现在）</a:t>
-            </a:r>
-            <a:endParaRPr lang="zh-CN" altLang="en-US">
-              <a:sym typeface="+mn-ea"/>
-            </a:endParaRPr>
-          </a:p>
-          <a:p>
-            <a:r>
-              <a:rPr lang="zh-CN" altLang="en-US">
-                <a:sym typeface="+mn-ea"/>
-              </a:rPr>
-              <a:t>面向服务时代（</a:t>
-            </a:r>
-            <a:r>
-              <a:rPr lang="en-US" altLang="zh-CN">
-                <a:sym typeface="+mn-ea"/>
-              </a:rPr>
-              <a:t>Chrome</a:t>
-            </a:r>
-            <a:r>
-              <a:rPr lang="zh-CN" altLang="en-US">
-                <a:sym typeface="+mn-ea"/>
-              </a:rPr>
-              <a:t>未来）</a:t>
-            </a:r>
-            <a:endParaRPr lang="en-US"/>
+            <a:pPr marL="514350" indent="-514350">
+              <a:buFont typeface="+mj-lt"/>
+              <a:buAutoNum type="arabicPeriod"/>
+            </a:pPr>
+            <a:r>
+              <a:rPr lang="en-US"/>
+              <a:t>进程中的任意一线程执行出错，都会导致整个进程的崩溃。</a:t>
+            </a:r>
+            <a:endParaRPr lang="en-US"/>
+          </a:p>
+          <a:p>
+            <a:pPr marL="514350" indent="-514350">
+              <a:buFont typeface="+mj-lt"/>
+              <a:buAutoNum type="arabicPeriod"/>
+            </a:pPr>
+            <a:r>
+              <a:rPr lang="en-US"/>
+              <a:t>线程之间共享进程中的数据。</a:t>
+            </a:r>
+            <a:endParaRPr lang="en-US"/>
+          </a:p>
+          <a:p>
+            <a:pPr marL="514350" indent="-514350">
+              <a:buFont typeface="+mj-lt"/>
+              <a:buAutoNum type="arabicPeriod"/>
+            </a:pPr>
+            <a:r>
+              <a:rPr lang="en-US"/>
+              <a:t>当一个进程关闭之后，操作系统会回收进程所占用的内存。</a:t>
+            </a:r>
+            <a:endParaRPr lang="en-US"/>
+          </a:p>
+          <a:p>
+            <a:pPr marL="514350" indent="-514350">
+              <a:buFont typeface="+mj-lt"/>
+              <a:buAutoNum type="arabicPeriod"/>
+            </a:pPr>
+            <a:r>
+              <a:rPr lang="en-US"/>
+              <a:t>进程之间的内容相互隔离</a:t>
+            </a:r>
+            <a:r>
+              <a:rPr lang="zh-CN" altLang="en-US"/>
+              <a:t>。另外，进程之间数据通信，需要使用进程间通信（IPC</a:t>
+            </a:r>
+            <a:r>
+              <a:rPr lang="en-US" altLang="zh-CN"/>
+              <a:t>, InterProcess Communication</a:t>
+            </a:r>
+            <a:r>
+              <a:rPr lang="zh-CN" altLang="en-US"/>
+              <a:t>）机制。</a:t>
+            </a:r>
+            <a:endParaRPr lang="zh-CN" altLang="en-US"/>
           </a:p>
         </p:txBody>
       </p:sp>
